--- a/print/apcsa_15_3.pptx
+++ b/print/apcsa_15_3.pptx
@@ -6778,8 +6778,8 @@
       </p:par>
     </p:tnLst>
     <p:bldLst>
+      <p:bldP build="whole" bldLvl="1" animBg="1" rev="0" advAuto="0" spid="201" grpId="1"/>
       <p:bldP build="whole" bldLvl="1" animBg="1" rev="0" advAuto="0" spid="202" grpId="2"/>
-      <p:bldP build="whole" bldLvl="1" animBg="1" rev="0" advAuto="0" spid="201" grpId="1"/>
     </p:bldLst>
   </p:timing>
 </p:sld>
@@ -7008,172 +7008,9 @@
           </a:p>
         </p:txBody>
       </p:sp>
-      <p:sp>
-        <p:nvSpPr>
-          <p:cNvPr id="210" name="Go to your workstation.…"/>
-          <p:cNvSpPr txBox="1"/>
-          <p:nvPr/>
-        </p:nvSpPr>
-        <p:spPr>
-          <a:xfrm>
-            <a:off x="697715" y="1735462"/>
-            <a:ext cx="2877133" cy="2616201"/>
-          </a:xfrm>
-          <a:prstGeom prst="rect">
-            <a:avLst/>
-          </a:prstGeom>
-          <a:ln w="25400">
-            <a:solidFill>
-              <a:schemeClr val="accent1"/>
-            </a:solidFill>
-          </a:ln>
-          <a:extLst>
-            <a:ext uri="{C572A759-6A51-4108-AA02-DFA0A04FC94B}">
-              <ma14:wrappingTextBoxFlag xmlns:ma14="http://schemas.microsoft.com/office/mac/drawingml/2011/main" val="1"/>
-            </a:ext>
-          </a:extLst>
-        </p:spPr>
-        <p:txBody>
-          <a:bodyPr lIns="0" tIns="0" rIns="0" bIns="0">
-            <a:spAutoFit/>
-          </a:bodyPr>
-          <a:lstStyle/>
-          <a:p>
-            <a:pPr marL="187157" indent="-187157">
-              <a:buSzPct val="100000"/>
-              <a:buAutoNum type="arabicPeriod" startAt="1"/>
-              <a:defRPr>
-                <a:solidFill>
-                  <a:schemeClr val="accent3">
-                    <a:lumOff val="-9098"/>
-                  </a:schemeClr>
-                </a:solidFill>
-              </a:defRPr>
-            </a:pPr>
-            <a:r>
-              <a:t>Go to your workstation.</a:t>
-            </a:r>
-          </a:p>
-          <a:p>
-            <a:pPr marL="187157" indent="-187157">
-              <a:buSzPct val="100000"/>
-              <a:buAutoNum type="arabicPeriod" startAt="1"/>
-              <a:defRPr>
-                <a:solidFill>
-                  <a:schemeClr val="accent3">
-                    <a:lumOff val="-9098"/>
-                  </a:schemeClr>
-                </a:solidFill>
-              </a:defRPr>
-            </a:pPr>
-            <a:r>
-              <a:t>Work on following problems in CodeHS:</a:t>
-            </a:r>
-          </a:p>
-          <a:p>
-            <a:pPr lvl="1" marL="695157" indent="-187157">
-              <a:buSzPct val="100000"/>
-              <a:buAutoNum type="alphaLcPeriod" startAt="1"/>
-              <a:defRPr>
-                <a:solidFill>
-                  <a:schemeClr val="accent5"/>
-                </a:solidFill>
-              </a:defRPr>
-            </a:pPr>
-            <a:r>
-              <a:t>5.4.5: Add some Getter methods</a:t>
-            </a:r>
-          </a:p>
-          <a:p>
-            <a:pPr lvl="1" marL="695157" indent="-187157">
-              <a:buSzPct val="100000"/>
-              <a:buAutoNum type="alphaLcPeriod" startAt="1"/>
-              <a:defRPr>
-                <a:solidFill>
-                  <a:schemeClr val="accent5"/>
-                </a:solidFill>
-              </a:defRPr>
-            </a:pPr>
-            <a:r>
-              <a:t>5.4.6: Full Dragon Class</a:t>
-            </a:r>
-          </a:p>
-          <a:p>
-            <a:pPr lvl="1" marL="695157" indent="-187157">
-              <a:buSzPct val="100000"/>
-              <a:buAutoNum type="alphaLcPeriod" startAt="1"/>
-              <a:defRPr>
-                <a:solidFill>
-                  <a:schemeClr val="accent5"/>
-                </a:solidFill>
-              </a:defRPr>
-            </a:pPr>
-            <a:r>
-              <a:t>5.4.7 Different Dragon Class</a:t>
-            </a:r>
-          </a:p>
-          <a:p>
-            <a:pPr lvl="1" marL="695157" indent="-187157">
-              <a:buSzPct val="100000"/>
-              <a:buAutoNum type="alphaLcPeriod" startAt="1"/>
-              <a:defRPr>
-                <a:solidFill>
-                  <a:schemeClr val="accent5"/>
-                </a:solidFill>
-              </a:defRPr>
-            </a:pPr>
-            <a:r>
-              <a:t>5.4.8 A Chef’s best Meal</a:t>
-            </a:r>
-          </a:p>
-          <a:p>
-            <a:pPr marL="187157" indent="-187157">
-              <a:buSzPct val="100000"/>
-              <a:buAutoNum type="arabicPeriod" startAt="1"/>
-              <a:defRPr>
-                <a:solidFill>
-                  <a:schemeClr val="accent3">
-                    <a:lumOff val="-9098"/>
-                  </a:schemeClr>
-                </a:solidFill>
-              </a:defRPr>
-            </a:pPr>
-            <a:r>
-              <a:t>If you have a question, ask!</a:t>
-            </a:r>
-          </a:p>
-          <a:p>
-            <a:pPr marL="187157" indent="-187157">
-              <a:buSzPct val="100000"/>
-              <a:buAutoNum type="arabicPeriod" startAt="1"/>
-              <a:defRPr>
-                <a:solidFill>
-                  <a:schemeClr val="accent3">
-                    <a:lumOff val="-9098"/>
-                  </a:schemeClr>
-                </a:solidFill>
-              </a:defRPr>
-            </a:pPr>
-            <a:r>
-              <a:t>complete any remaining assignment for </a:t>
-            </a:r>
-            <a:r>
-              <a:rPr>
-                <a:solidFill>
-                  <a:schemeClr val="accent5"/>
-                </a:solidFill>
-              </a:rPr>
-              <a:t>homework</a:t>
-            </a:r>
-            <a:r>
-              <a:t>!</a:t>
-            </a:r>
-          </a:p>
-        </p:txBody>
-      </p:sp>
       <p:pic>
         <p:nvPicPr>
-          <p:cNvPr id="211" name="Image" descr="Image"/>
+          <p:cNvPr id="210" name="Image" descr="Image"/>
           <p:cNvPicPr>
             <a:picLocks noChangeAspect="1"/>
           </p:cNvPicPr>
@@ -7200,6 +7037,171 @@
           </a:ln>
         </p:spPr>
       </p:pic>
+      <p:sp>
+        <p:nvSpPr>
+          <p:cNvPr id="211" name="Go to your workstation.…"/>
+          <p:cNvSpPr txBox="1"/>
+          <p:nvPr/>
+        </p:nvSpPr>
+        <p:spPr>
+          <a:xfrm>
+            <a:off x="927272" y="1735503"/>
+            <a:ext cx="2877133" cy="2400301"/>
+          </a:xfrm>
+          <a:prstGeom prst="rect">
+            <a:avLst/>
+          </a:prstGeom>
+          <a:ln w="25400">
+            <a:solidFill>
+              <a:schemeClr val="accent1"/>
+            </a:solidFill>
+          </a:ln>
+          <a:extLst>
+            <a:ext uri="{C572A759-6A51-4108-AA02-DFA0A04FC94B}">
+              <ma14:wrappingTextBoxFlag xmlns:ma14="http://schemas.microsoft.com/office/mac/drawingml/2011/main" val="1"/>
+            </a:ext>
+          </a:extLst>
+        </p:spPr>
+        <p:txBody>
+          <a:bodyPr lIns="0" tIns="0" rIns="0" bIns="0">
+            <a:spAutoFit/>
+          </a:bodyPr>
+          <a:lstStyle/>
+          <a:p>
+            <a:pPr marL="187157" indent="-187157">
+              <a:buSzPct val="100000"/>
+              <a:buAutoNum type="arabicPeriod" startAt="1"/>
+              <a:defRPr>
+                <a:solidFill>
+                  <a:schemeClr val="accent3">
+                    <a:lumOff val="-9098"/>
+                  </a:schemeClr>
+                </a:solidFill>
+              </a:defRPr>
+            </a:pPr>
+            <a:r>
+              <a:t>Go to your workstation.</a:t>
+            </a:r>
+          </a:p>
+          <a:p>
+            <a:pPr marL="187157" indent="-187157">
+              <a:buSzPct val="100000"/>
+              <a:buAutoNum type="arabicPeriod" startAt="1"/>
+              <a:defRPr>
+                <a:solidFill>
+                  <a:schemeClr val="accent3">
+                    <a:lumOff val="-9098"/>
+                  </a:schemeClr>
+                </a:solidFill>
+              </a:defRPr>
+            </a:pPr>
+            <a:r>
+              <a:t>Watch the video </a:t>
+            </a:r>
+            <a:r>
+              <a:rPr>
+                <a:solidFill>
+                  <a:schemeClr val="accent5"/>
+                </a:solidFill>
+              </a:rPr>
+              <a:t>5.5.1: Mutator Methods</a:t>
+            </a:r>
+            <a:endParaRPr>
+              <a:solidFill>
+                <a:schemeClr val="accent5"/>
+              </a:solidFill>
+            </a:endParaRPr>
+          </a:p>
+          <a:p>
+            <a:pPr marL="187157" indent="-187157">
+              <a:buSzPct val="100000"/>
+              <a:buAutoNum type="arabicPeriod" startAt="1"/>
+              <a:defRPr>
+                <a:solidFill>
+                  <a:schemeClr val="accent3">
+                    <a:lumOff val="-9098"/>
+                  </a:schemeClr>
+                </a:solidFill>
+              </a:defRPr>
+            </a:pPr>
+            <a:r>
+              <a:t>Work on following problems in CodeHS:</a:t>
+            </a:r>
+          </a:p>
+          <a:p>
+            <a:pPr lvl="1" marL="695157" indent="-187157">
+              <a:buSzPct val="100000"/>
+              <a:buAutoNum type="alphaLcPeriod" startAt="1"/>
+              <a:defRPr>
+                <a:solidFill>
+                  <a:schemeClr val="accent5"/>
+                </a:solidFill>
+              </a:defRPr>
+            </a:pPr>
+            <a:r>
+              <a:t>5.5.5: Student Setters</a:t>
+            </a:r>
+          </a:p>
+          <a:p>
+            <a:pPr lvl="1" marL="695157" indent="-187157">
+              <a:buSzPct val="100000"/>
+              <a:buAutoNum type="alphaLcPeriod" startAt="1"/>
+              <a:defRPr>
+                <a:solidFill>
+                  <a:schemeClr val="accent5"/>
+                </a:solidFill>
+              </a:defRPr>
+            </a:pPr>
+            <a:r>
+              <a:t>5.5.6: Full Fraction Class</a:t>
+            </a:r>
+          </a:p>
+          <a:p>
+            <a:pPr lvl="1" marL="695157" indent="-187157">
+              <a:buSzPct val="100000"/>
+              <a:buAutoNum type="alphaLcPeriod" startAt="1"/>
+              <a:defRPr>
+                <a:solidFill>
+                  <a:schemeClr val="accent5"/>
+                </a:solidFill>
+              </a:defRPr>
+            </a:pPr>
+            <a:r>
+              <a:t>5.5.7: Weekly routine</a:t>
+            </a:r>
+          </a:p>
+          <a:p>
+            <a:pPr lvl="1" marL="695157" indent="-187157">
+              <a:buSzPct val="100000"/>
+              <a:buAutoNum type="alphaLcPeriod" startAt="1"/>
+              <a:defRPr>
+                <a:solidFill>
+                  <a:schemeClr val="accent5"/>
+                </a:solidFill>
+              </a:defRPr>
+            </a:pPr>
+            <a:r>
+              <a:t>5.4.8 A Chef’s best Meal</a:t>
+            </a:r>
+          </a:p>
+          <a:p>
+            <a:pPr marL="187157" indent="-187157">
+              <a:buSzPct val="100000"/>
+              <a:buAutoNum type="arabicPeriod" startAt="1"/>
+              <a:defRPr>
+                <a:solidFill>
+                  <a:schemeClr val="accent3">
+                    <a:lumOff val="-9098"/>
+                  </a:schemeClr>
+                </a:solidFill>
+              </a:defRPr>
+            </a:pPr>
+            <a:r>
+              <a:t>We’ll go over the exercises at tehe end of class!</a:t>
+            </a:r>
+          </a:p>
+        </p:txBody>
+      </p:sp>
     </p:spTree>
   </p:cSld>
   <p:clrMapOvr>
